--- a/Python_разработка_для_БПЛА_паттерны_проектирования,_API_интерфейсы+(6).pptx
+++ b/Python_разработка_для_БПЛА_паттерны_проектирования,_API_интерфейсы+(6).pptx
@@ -10165,7 +10165,7 @@
               <a:buNone/>
             </a:pPr>
             <a:r>
-              <a:rPr lang="ru" sz="1821">
+              <a:rPr lang="ru" sz="1821" dirty="0">
                 <a:latin typeface="Times New Roman"/>
                 <a:ea typeface="Times New Roman"/>
                 <a:cs typeface="Times New Roman"/>
@@ -10173,7 +10173,7 @@
               </a:rPr>
               <a:t>ПРОГРАММА</a:t>
             </a:r>
-            <a:endParaRPr sz="1821">
+            <a:endParaRPr sz="1821" dirty="0">
               <a:latin typeface="Times New Roman"/>
               <a:ea typeface="Times New Roman"/>
               <a:cs typeface="Times New Roman"/>
@@ -10199,7 +10199,7 @@
               <a:buNone/>
             </a:pPr>
             <a:r>
-              <a:rPr lang="ru" sz="1821">
+              <a:rPr lang="ru" sz="1821" dirty="0">
                 <a:latin typeface="Times New Roman"/>
                 <a:ea typeface="Times New Roman"/>
                 <a:cs typeface="Times New Roman"/>
@@ -10207,7 +10207,7 @@
               </a:rPr>
               <a:t>ПРОФЕССИОНАЛЬНОЙ ПЕРЕПОДГОТОВКИ</a:t>
             </a:r>
-            <a:endParaRPr sz="1821">
+            <a:endParaRPr sz="1821" dirty="0">
               <a:latin typeface="Times New Roman"/>
               <a:ea typeface="Times New Roman"/>
               <a:cs typeface="Times New Roman"/>
@@ -10233,7 +10233,7 @@
               <a:buNone/>
             </a:pPr>
             <a:r>
-              <a:rPr lang="ru" sz="1800">
+              <a:rPr lang="ru" sz="1800" dirty="0">
                 <a:latin typeface="Times New Roman"/>
                 <a:ea typeface="Times New Roman"/>
                 <a:cs typeface="Times New Roman"/>
@@ -10241,7 +10241,7 @@
               </a:rPr>
               <a:t> </a:t>
             </a:r>
-            <a:endParaRPr sz="1300">
+            <a:endParaRPr sz="1300" dirty="0">
               <a:latin typeface="Times New Roman"/>
               <a:ea typeface="Times New Roman"/>
               <a:cs typeface="Times New Roman"/>
@@ -10267,7 +10267,7 @@
               <a:buNone/>
             </a:pPr>
             <a:r>
-              <a:rPr lang="ru" sz="2000" b="1">
+              <a:rPr lang="ru" sz="2000" b="1" dirty="0">
                 <a:solidFill>
                   <a:srgbClr val="11696D"/>
                 </a:solidFill>
@@ -10279,7 +10279,7 @@
               <a:t>“</a:t>
             </a:r>
             <a:r>
-              <a:rPr lang="ru" sz="2000" b="1">
+              <a:rPr lang="ru" sz="2000" b="1" dirty="0">
                 <a:solidFill>
                   <a:srgbClr val="11696D"/>
                 </a:solidFill>
@@ -10291,7 +10291,7 @@
               <a:t>Python-разработка для БПЛА: паттерны проектирования, API-интерфейсы и библиотеки для оптимизации решений</a:t>
             </a:r>
             <a:r>
-              <a:rPr lang="ru" sz="2000" b="1">
+              <a:rPr lang="ru" sz="2000" b="1" dirty="0">
                 <a:solidFill>
                   <a:srgbClr val="11696D"/>
                 </a:solidFill>
@@ -10302,7 +10302,7 @@
               </a:rPr>
               <a:t>”</a:t>
             </a:r>
-            <a:endParaRPr sz="2000" b="1">
+            <a:endParaRPr sz="2000" b="1" dirty="0">
               <a:solidFill>
                 <a:srgbClr val="11696D"/>
               </a:solidFill>
@@ -10506,20 +10506,7 @@
                 <a:latin typeface="Times New Roman"/>
                 <a:cs typeface="Times New Roman"/>
               </a:rPr>
-              <a:t>Зубкова Ольга </a:t>
-            </a:r>
-            <a:r>
-              <a:rPr lang="ru-RU" sz="1300" b="1" dirty="0" err="1">
-                <a:solidFill>
-                  <a:srgbClr val="11696D"/>
-                </a:solidFill>
-                <a:highlight>
-                  <a:srgbClr val="FFFFFF"/>
-                </a:highlight>
-                <a:latin typeface="Times New Roman"/>
-                <a:cs typeface="Times New Roman"/>
-              </a:rPr>
-              <a:t>Алекандровна</a:t>
+              <a:t>Зубкова Ольга Александровна</a:t>
             </a:r>
             <a:endParaRPr sz="1300" b="1" dirty="0">
               <a:solidFill>
@@ -13407,7 +13394,7 @@
         <p:spPr>
           <a:xfrm>
             <a:off x="286050" y="1111250"/>
-            <a:ext cx="8546200" cy="2780346"/>
+            <a:ext cx="8546200" cy="3273943"/>
           </a:xfrm>
           <a:prstGeom prst="rect">
             <a:avLst/>
@@ -13644,6 +13631,47 @@
                 <a:sym typeface="Times New Roman"/>
               </a:rPr>
               <a:t>наблюдение за объектами лесного хозяйства, нефтепроводами, военное назначение</a:t>
+            </a:r>
+            <a:endParaRPr lang="en-US" sz="1050" dirty="0">
+              <a:solidFill>
+                <a:srgbClr val="11696D"/>
+              </a:solidFill>
+              <a:latin typeface="Montserrat"/>
+              <a:sym typeface="Times New Roman"/>
+            </a:endParaRPr>
+          </a:p>
+          <a:p>
+            <a:pPr lvl="0">
+              <a:lnSpc>
+                <a:spcPct val="115000"/>
+              </a:lnSpc>
+              <a:spcBef>
+                <a:spcPts val="1200"/>
+              </a:spcBef>
+              <a:spcAft>
+                <a:spcPts val="1200"/>
+              </a:spcAft>
+              <a:buSzPts val="1050"/>
+            </a:pPr>
+            <a:r>
+              <a:rPr lang="ru-RU" sz="1050" dirty="0">
+                <a:solidFill>
+                  <a:srgbClr val="11696D"/>
+                </a:solidFill>
+                <a:latin typeface="Montserrat"/>
+                <a:sym typeface="Times New Roman"/>
+              </a:rPr>
+              <a:t>Проект размещен на </a:t>
+            </a:r>
+            <a:r>
+              <a:rPr lang="en-US" sz="1050" dirty="0">
+                <a:solidFill>
+                  <a:srgbClr val="11696D"/>
+                </a:solidFill>
+                <a:latin typeface="Montserrat"/>
+                <a:sym typeface="Times New Roman"/>
+              </a:rPr>
+              <a:t>GIT - https://github.com/OMIzoa/BPLA_final/tree/master</a:t>
             </a:r>
             <a:endParaRPr sz="1050" dirty="0">
               <a:solidFill>
